--- a/户型规划.pptx
+++ b/户型规划.pptx
@@ -253,7 +253,7 @@
           <a:p>
             <a:fld id="{D4B94963-5FF0-414B-9772-22CEE4EEBB93}" type="datetimeFigureOut">
               <a:rPr lang="zh-CN" altLang="en-US" smtClean="0"/>
-              <a:t>2022/3/7</a:t>
+              <a:t>2022/3/8</a:t>
             </a:fld>
             <a:endParaRPr lang="zh-CN" altLang="en-US"/>
           </a:p>
@@ -423,7 +423,7 @@
           <a:p>
             <a:fld id="{D4B94963-5FF0-414B-9772-22CEE4EEBB93}" type="datetimeFigureOut">
               <a:rPr lang="zh-CN" altLang="en-US" smtClean="0"/>
-              <a:t>2022/3/7</a:t>
+              <a:t>2022/3/8</a:t>
             </a:fld>
             <a:endParaRPr lang="zh-CN" altLang="en-US"/>
           </a:p>
@@ -603,7 +603,7 @@
           <a:p>
             <a:fld id="{D4B94963-5FF0-414B-9772-22CEE4EEBB93}" type="datetimeFigureOut">
               <a:rPr lang="zh-CN" altLang="en-US" smtClean="0"/>
-              <a:t>2022/3/7</a:t>
+              <a:t>2022/3/8</a:t>
             </a:fld>
             <a:endParaRPr lang="zh-CN" altLang="en-US"/>
           </a:p>
@@ -773,7 +773,7 @@
           <a:p>
             <a:fld id="{D4B94963-5FF0-414B-9772-22CEE4EEBB93}" type="datetimeFigureOut">
               <a:rPr lang="zh-CN" altLang="en-US" smtClean="0"/>
-              <a:t>2022/3/7</a:t>
+              <a:t>2022/3/8</a:t>
             </a:fld>
             <a:endParaRPr lang="zh-CN" altLang="en-US"/>
           </a:p>
@@ -1019,7 +1019,7 @@
           <a:p>
             <a:fld id="{D4B94963-5FF0-414B-9772-22CEE4EEBB93}" type="datetimeFigureOut">
               <a:rPr lang="zh-CN" altLang="en-US" smtClean="0"/>
-              <a:t>2022/3/7</a:t>
+              <a:t>2022/3/8</a:t>
             </a:fld>
             <a:endParaRPr lang="zh-CN" altLang="en-US"/>
           </a:p>
@@ -1251,7 +1251,7 @@
           <a:p>
             <a:fld id="{D4B94963-5FF0-414B-9772-22CEE4EEBB93}" type="datetimeFigureOut">
               <a:rPr lang="zh-CN" altLang="en-US" smtClean="0"/>
-              <a:t>2022/3/7</a:t>
+              <a:t>2022/3/8</a:t>
             </a:fld>
             <a:endParaRPr lang="zh-CN" altLang="en-US"/>
           </a:p>
@@ -1618,7 +1618,7 @@
           <a:p>
             <a:fld id="{D4B94963-5FF0-414B-9772-22CEE4EEBB93}" type="datetimeFigureOut">
               <a:rPr lang="zh-CN" altLang="en-US" smtClean="0"/>
-              <a:t>2022/3/7</a:t>
+              <a:t>2022/3/8</a:t>
             </a:fld>
             <a:endParaRPr lang="zh-CN" altLang="en-US"/>
           </a:p>
@@ -1736,7 +1736,7 @@
           <a:p>
             <a:fld id="{D4B94963-5FF0-414B-9772-22CEE4EEBB93}" type="datetimeFigureOut">
               <a:rPr lang="zh-CN" altLang="en-US" smtClean="0"/>
-              <a:t>2022/3/7</a:t>
+              <a:t>2022/3/8</a:t>
             </a:fld>
             <a:endParaRPr lang="zh-CN" altLang="en-US"/>
           </a:p>
@@ -1831,7 +1831,7 @@
           <a:p>
             <a:fld id="{D4B94963-5FF0-414B-9772-22CEE4EEBB93}" type="datetimeFigureOut">
               <a:rPr lang="zh-CN" altLang="en-US" smtClean="0"/>
-              <a:t>2022/3/7</a:t>
+              <a:t>2022/3/8</a:t>
             </a:fld>
             <a:endParaRPr lang="zh-CN" altLang="en-US"/>
           </a:p>
@@ -2108,7 +2108,7 @@
           <a:p>
             <a:fld id="{D4B94963-5FF0-414B-9772-22CEE4EEBB93}" type="datetimeFigureOut">
               <a:rPr lang="zh-CN" altLang="en-US" smtClean="0"/>
-              <a:t>2022/3/7</a:t>
+              <a:t>2022/3/8</a:t>
             </a:fld>
             <a:endParaRPr lang="zh-CN" altLang="en-US"/>
           </a:p>
@@ -2361,7 +2361,7 @@
           <a:p>
             <a:fld id="{D4B94963-5FF0-414B-9772-22CEE4EEBB93}" type="datetimeFigureOut">
               <a:rPr lang="zh-CN" altLang="en-US" smtClean="0"/>
-              <a:t>2022/3/7</a:t>
+              <a:t>2022/3/8</a:t>
             </a:fld>
             <a:endParaRPr lang="zh-CN" altLang="en-US"/>
           </a:p>
@@ -2574,7 +2574,7 @@
           <a:p>
             <a:fld id="{D4B94963-5FF0-414B-9772-22CEE4EEBB93}" type="datetimeFigureOut">
               <a:rPr lang="zh-CN" altLang="en-US" smtClean="0"/>
-              <a:t>2022/3/7</a:t>
+              <a:t>2022/3/8</a:t>
             </a:fld>
             <a:endParaRPr lang="zh-CN" altLang="en-US"/>
           </a:p>
@@ -10564,7 +10564,7 @@
         </p:nvCxnSpPr>
         <p:spPr>
           <a:xfrm>
-            <a:off x="5819686" y="3140580"/>
+            <a:off x="5828231" y="3029484"/>
             <a:ext cx="1034041" cy="0"/>
           </a:xfrm>
           <a:prstGeom prst="line">
@@ -10645,7 +10645,7 @@
         </p:nvSpPr>
         <p:spPr>
           <a:xfrm>
-            <a:off x="6258616" y="3095418"/>
+            <a:off x="6269513" y="2974947"/>
             <a:ext cx="97521" cy="97521"/>
           </a:xfrm>
           <a:prstGeom prst="ellipse">
@@ -10934,89 +10934,6 @@
           </a:fontRef>
         </p:style>
       </p:cxnSp>
-      <p:cxnSp>
-        <p:nvCxnSpPr>
-          <p:cNvPr id="31" name="直接连接符 30"/>
-          <p:cNvCxnSpPr/>
-          <p:nvPr/>
-        </p:nvCxnSpPr>
-        <p:spPr>
-          <a:xfrm>
-            <a:off x="1936268" y="1760157"/>
-            <a:ext cx="0" cy="233743"/>
-          </a:xfrm>
-          <a:prstGeom prst="line">
-            <a:avLst/>
-          </a:prstGeom>
-          <a:ln w="38100">
-            <a:solidFill>
-              <a:srgbClr val="FF0000"/>
-            </a:solidFill>
-          </a:ln>
-        </p:spPr>
-        <p:style>
-          <a:lnRef idx="1">
-            <a:schemeClr val="accent1"/>
-          </a:lnRef>
-          <a:fillRef idx="0">
-            <a:schemeClr val="accent1"/>
-          </a:fillRef>
-          <a:effectRef idx="0">
-            <a:schemeClr val="accent1"/>
-          </a:effectRef>
-          <a:fontRef idx="minor">
-            <a:schemeClr val="tx1"/>
-          </a:fontRef>
-        </p:style>
-      </p:cxnSp>
-      <p:sp>
-        <p:nvSpPr>
-          <p:cNvPr id="33" name="矩形 32"/>
-          <p:cNvSpPr/>
-          <p:nvPr/>
-        </p:nvSpPr>
-        <p:spPr>
-          <a:xfrm>
-            <a:off x="1485900" y="1714500"/>
-            <a:ext cx="95250" cy="298450"/>
-          </a:xfrm>
-          <a:prstGeom prst="rect">
-            <a:avLst/>
-          </a:prstGeom>
-          <a:solidFill>
-            <a:schemeClr val="bg1"/>
-          </a:solidFill>
-          <a:ln>
-            <a:solidFill>
-              <a:schemeClr val="bg1"/>
-            </a:solidFill>
-          </a:ln>
-        </p:spPr>
-        <p:style>
-          <a:lnRef idx="2">
-            <a:schemeClr val="accent1">
-              <a:shade val="50000"/>
-            </a:schemeClr>
-          </a:lnRef>
-          <a:fillRef idx="1">
-            <a:schemeClr val="accent1"/>
-          </a:fillRef>
-          <a:effectRef idx="0">
-            <a:schemeClr val="accent1"/>
-          </a:effectRef>
-          <a:fontRef idx="minor">
-            <a:schemeClr val="lt1"/>
-          </a:fontRef>
-        </p:style>
-        <p:txBody>
-          <a:bodyPr rtlCol="0" anchor="ctr"/>
-          <a:lstStyle/>
-          <a:p>
-            <a:pPr algn="ctr"/>
-            <a:endParaRPr lang="zh-CN" altLang="en-US"/>
-          </a:p>
-        </p:txBody>
-      </p:sp>
       <p:sp>
         <p:nvSpPr>
           <p:cNvPr id="36" name="矩形 35"/>
@@ -11025,8 +10942,8 @@
         </p:nvSpPr>
         <p:spPr>
           <a:xfrm>
-            <a:off x="5320435" y="2625164"/>
-            <a:ext cx="484764" cy="895704"/>
+            <a:off x="5320435" y="2799896"/>
+            <a:ext cx="484764" cy="720971"/>
           </a:xfrm>
           <a:prstGeom prst="rect">
             <a:avLst/>
@@ -11067,26 +10984,19 @@
       </p:sp>
       <p:sp>
         <p:nvSpPr>
-          <p:cNvPr id="34" name="矩形 33"/>
+          <p:cNvPr id="37" name="椭圆 36"/>
           <p:cNvSpPr/>
           <p:nvPr/>
         </p:nvSpPr>
         <p:spPr>
-          <a:xfrm rot="16200000">
-            <a:off x="1143000" y="2568403"/>
-            <a:ext cx="95250" cy="298450"/>
-          </a:xfrm>
-          <a:prstGeom prst="rect">
-            <a:avLst/>
-          </a:prstGeom>
-          <a:solidFill>
-            <a:schemeClr val="bg1"/>
-          </a:solidFill>
-          <a:ln>
-            <a:solidFill>
-              <a:schemeClr val="bg1"/>
-            </a:solidFill>
-          </a:ln>
+          <a:xfrm>
+            <a:off x="5320435" y="2529202"/>
+            <a:ext cx="153824" cy="153824"/>
+          </a:xfrm>
+          <a:prstGeom prst="ellipse">
+            <a:avLst/>
+          </a:prstGeom>
+          <a:ln w="12700"/>
         </p:spPr>
         <p:style>
           <a:lnRef idx="2">
@@ -11113,50 +11023,15 @@
           </a:p>
         </p:txBody>
       </p:sp>
-      <p:cxnSp>
-        <p:nvCxnSpPr>
-          <p:cNvPr id="35" name="直接连接符 34"/>
-          <p:cNvCxnSpPr/>
-          <p:nvPr/>
-        </p:nvCxnSpPr>
-        <p:spPr>
-          <a:xfrm>
-            <a:off x="1935786" y="2906837"/>
-            <a:ext cx="0" cy="233743"/>
-          </a:xfrm>
-          <a:prstGeom prst="line">
-            <a:avLst/>
-          </a:prstGeom>
-          <a:ln w="38100">
-            <a:solidFill>
-              <a:srgbClr val="FF0000"/>
-            </a:solidFill>
-          </a:ln>
-        </p:spPr>
-        <p:style>
-          <a:lnRef idx="1">
-            <a:schemeClr val="accent1"/>
-          </a:lnRef>
-          <a:fillRef idx="0">
-            <a:schemeClr val="accent1"/>
-          </a:fillRef>
-          <a:effectRef idx="0">
-            <a:schemeClr val="accent1"/>
-          </a:effectRef>
-          <a:fontRef idx="minor">
-            <a:schemeClr val="tx1"/>
-          </a:fontRef>
-        </p:style>
-      </p:cxnSp>
-      <p:sp>
-        <p:nvSpPr>
-          <p:cNvPr id="37" name="椭圆 36"/>
+      <p:sp>
+        <p:nvSpPr>
+          <p:cNvPr id="23" name="椭圆 22"/>
           <p:cNvSpPr/>
           <p:nvPr/>
         </p:nvSpPr>
         <p:spPr>
           <a:xfrm>
-            <a:off x="5320435" y="2529202"/>
+            <a:off x="5230026" y="3539918"/>
             <a:ext cx="153824" cy="153824"/>
           </a:xfrm>
           <a:prstGeom prst="ellipse">
@@ -11189,82 +11064,6 @@
           </a:p>
         </p:txBody>
       </p:sp>
-      <p:sp>
-        <p:nvSpPr>
-          <p:cNvPr id="23" name="椭圆 22"/>
-          <p:cNvSpPr/>
-          <p:nvPr/>
-        </p:nvSpPr>
-        <p:spPr>
-          <a:xfrm>
-            <a:off x="5230026" y="3539918"/>
-            <a:ext cx="153824" cy="153824"/>
-          </a:xfrm>
-          <a:prstGeom prst="ellipse">
-            <a:avLst/>
-          </a:prstGeom>
-          <a:ln w="12700"/>
-        </p:spPr>
-        <p:style>
-          <a:lnRef idx="2">
-            <a:schemeClr val="accent1">
-              <a:shade val="50000"/>
-            </a:schemeClr>
-          </a:lnRef>
-          <a:fillRef idx="1">
-            <a:schemeClr val="accent1"/>
-          </a:fillRef>
-          <a:effectRef idx="0">
-            <a:schemeClr val="accent1"/>
-          </a:effectRef>
-          <a:fontRef idx="minor">
-            <a:schemeClr val="lt1"/>
-          </a:fontRef>
-        </p:style>
-        <p:txBody>
-          <a:bodyPr rtlCol="0" anchor="ctr"/>
-          <a:lstStyle/>
-          <a:p>
-            <a:pPr algn="ctr"/>
-            <a:endParaRPr lang="zh-CN" altLang="en-US"/>
-          </a:p>
-        </p:txBody>
-      </p:sp>
-      <p:cxnSp>
-        <p:nvCxnSpPr>
-          <p:cNvPr id="39" name="直接连接符 38"/>
-          <p:cNvCxnSpPr/>
-          <p:nvPr/>
-        </p:nvCxnSpPr>
-        <p:spPr>
-          <a:xfrm>
-            <a:off x="1409700" y="2634688"/>
-            <a:ext cx="306" cy="165209"/>
-          </a:xfrm>
-          <a:prstGeom prst="line">
-            <a:avLst/>
-          </a:prstGeom>
-          <a:ln w="38100">
-            <a:solidFill>
-              <a:srgbClr val="FF0000"/>
-            </a:solidFill>
-          </a:ln>
-        </p:spPr>
-        <p:style>
-          <a:lnRef idx="1">
-            <a:schemeClr val="accent1"/>
-          </a:lnRef>
-          <a:fillRef idx="0">
-            <a:schemeClr val="accent1"/>
-          </a:fillRef>
-          <a:effectRef idx="0">
-            <a:schemeClr val="accent1"/>
-          </a:effectRef>
-          <a:fontRef idx="minor">
-            <a:schemeClr val="tx1"/>
-          </a:fontRef>
-        </p:style>
-      </p:cxnSp>
       <p:cxnSp>
         <p:nvCxnSpPr>
           <p:cNvPr id="45" name="直接连接符 44"/>
@@ -11443,7 +11242,7 @@
         </p:nvSpPr>
         <p:spPr>
           <a:xfrm>
-            <a:off x="6035690" y="1466219"/>
+            <a:off x="6278059" y="1466219"/>
             <a:ext cx="97521" cy="97521"/>
           </a:xfrm>
           <a:prstGeom prst="ellipse">
@@ -11481,15 +11280,50 @@
           </a:p>
         </p:txBody>
       </p:sp>
-      <p:sp>
-        <p:nvSpPr>
-          <p:cNvPr id="54" name="椭圆 53"/>
+      <p:cxnSp>
+        <p:nvCxnSpPr>
+          <p:cNvPr id="28" name="直接连接符 27"/>
+          <p:cNvCxnSpPr/>
+          <p:nvPr/>
+        </p:nvCxnSpPr>
+        <p:spPr>
+          <a:xfrm>
+            <a:off x="5819686" y="3280023"/>
+            <a:ext cx="1034041" cy="0"/>
+          </a:xfrm>
+          <a:prstGeom prst="line">
+            <a:avLst/>
+          </a:prstGeom>
+          <a:ln w="12700">
+            <a:solidFill>
+              <a:srgbClr val="FF0000"/>
+            </a:solidFill>
+          </a:ln>
+        </p:spPr>
+        <p:style>
+          <a:lnRef idx="1">
+            <a:schemeClr val="accent1"/>
+          </a:lnRef>
+          <a:fillRef idx="0">
+            <a:schemeClr val="accent1"/>
+          </a:fillRef>
+          <a:effectRef idx="0">
+            <a:schemeClr val="accent1"/>
+          </a:effectRef>
+          <a:fontRef idx="minor">
+            <a:schemeClr val="tx1"/>
+          </a:fontRef>
+        </p:style>
+      </p:cxnSp>
+      <p:sp>
+        <p:nvSpPr>
+          <p:cNvPr id="32" name="椭圆 31"/>
           <p:cNvSpPr/>
           <p:nvPr/>
         </p:nvSpPr>
         <p:spPr>
           <a:xfrm>
-            <a:off x="6546954" y="1471938"/>
+            <a:off x="6259417" y="3228339"/>
             <a:ext cx="97521" cy="97521"/>
           </a:xfrm>
           <a:prstGeom prst="ellipse">
@@ -11972,257 +11806,6 @@
           </a:p>
         </p:txBody>
       </p:sp>
-      <p:sp>
-        <p:nvSpPr>
-          <p:cNvPr id="9" name="矩形 8"/>
-          <p:cNvSpPr/>
-          <p:nvPr/>
-        </p:nvSpPr>
-        <p:spPr>
-          <a:xfrm>
-            <a:off x="7178464" y="5580402"/>
-            <a:ext cx="965675" cy="452007"/>
-          </a:xfrm>
-          <a:prstGeom prst="rect">
-            <a:avLst/>
-          </a:prstGeom>
-          <a:solidFill>
-            <a:schemeClr val="bg1"/>
-          </a:solidFill>
-          <a:ln w="38100">
-            <a:solidFill>
-              <a:srgbClr val="FF0000"/>
-            </a:solidFill>
-          </a:ln>
-        </p:spPr>
-        <p:style>
-          <a:lnRef idx="2">
-            <a:schemeClr val="accent1">
-              <a:shade val="50000"/>
-            </a:schemeClr>
-          </a:lnRef>
-          <a:fillRef idx="1">
-            <a:schemeClr val="accent1"/>
-          </a:fillRef>
-          <a:effectRef idx="0">
-            <a:schemeClr val="accent1"/>
-          </a:effectRef>
-          <a:fontRef idx="minor">
-            <a:schemeClr val="lt1"/>
-          </a:fontRef>
-        </p:style>
-        <p:txBody>
-          <a:bodyPr rtlCol="0" anchor="ctr"/>
-          <a:lstStyle/>
-          <a:p>
-            <a:pPr algn="ctr"/>
-            <a:endParaRPr lang="zh-CN" altLang="en-US"/>
-          </a:p>
-        </p:txBody>
-      </p:sp>
-      <p:sp>
-        <p:nvSpPr>
-          <p:cNvPr id="10" name="矩形 9"/>
-          <p:cNvSpPr/>
-          <p:nvPr/>
-        </p:nvSpPr>
-        <p:spPr>
-          <a:xfrm>
-            <a:off x="7178465" y="3521684"/>
-            <a:ext cx="965675" cy="2058718"/>
-          </a:xfrm>
-          <a:prstGeom prst="rect">
-            <a:avLst/>
-          </a:prstGeom>
-          <a:solidFill>
-            <a:schemeClr val="bg1"/>
-          </a:solidFill>
-          <a:ln w="38100">
-            <a:solidFill>
-              <a:srgbClr val="FF0000"/>
-            </a:solidFill>
-          </a:ln>
-        </p:spPr>
-        <p:style>
-          <a:lnRef idx="2">
-            <a:schemeClr val="accent1">
-              <a:shade val="50000"/>
-            </a:schemeClr>
-          </a:lnRef>
-          <a:fillRef idx="1">
-            <a:schemeClr val="accent1"/>
-          </a:fillRef>
-          <a:effectRef idx="0">
-            <a:schemeClr val="accent1"/>
-          </a:effectRef>
-          <a:fontRef idx="minor">
-            <a:schemeClr val="lt1"/>
-          </a:fontRef>
-        </p:style>
-        <p:txBody>
-          <a:bodyPr rtlCol="0" anchor="ctr"/>
-          <a:lstStyle/>
-          <a:p>
-            <a:pPr algn="ctr"/>
-            <a:endParaRPr lang="zh-CN" altLang="en-US"/>
-          </a:p>
-        </p:txBody>
-      </p:sp>
-      <p:sp>
-        <p:nvSpPr>
-          <p:cNvPr id="11" name="矩形 10"/>
-          <p:cNvSpPr/>
-          <p:nvPr/>
-        </p:nvSpPr>
-        <p:spPr>
-          <a:xfrm>
-            <a:off x="6548968" y="3587497"/>
-            <a:ext cx="484217" cy="1992905"/>
-          </a:xfrm>
-          <a:prstGeom prst="rect">
-            <a:avLst/>
-          </a:prstGeom>
-          <a:solidFill>
-            <a:schemeClr val="bg1"/>
-          </a:solidFill>
-          <a:ln>
-            <a:solidFill>
-              <a:schemeClr val="bg1"/>
-            </a:solidFill>
-          </a:ln>
-        </p:spPr>
-        <p:style>
-          <a:lnRef idx="2">
-            <a:schemeClr val="accent1">
-              <a:shade val="50000"/>
-            </a:schemeClr>
-          </a:lnRef>
-          <a:fillRef idx="1">
-            <a:schemeClr val="accent1"/>
-          </a:fillRef>
-          <a:effectRef idx="0">
-            <a:schemeClr val="accent1"/>
-          </a:effectRef>
-          <a:fontRef idx="minor">
-            <a:schemeClr val="lt1"/>
-          </a:fontRef>
-        </p:style>
-        <p:txBody>
-          <a:bodyPr rtlCol="0" anchor="ctr"/>
-          <a:lstStyle/>
-          <a:p>
-            <a:pPr algn="ctr"/>
-            <a:endParaRPr lang="zh-CN" altLang="en-US"/>
-          </a:p>
-        </p:txBody>
-      </p:sp>
-      <p:sp>
-        <p:nvSpPr>
-          <p:cNvPr id="12" name="文本框 11"/>
-          <p:cNvSpPr txBox="1"/>
-          <p:nvPr/>
-        </p:nvSpPr>
-        <p:spPr>
-          <a:xfrm rot="16200000">
-            <a:off x="6645230" y="5621738"/>
-            <a:ext cx="535724" cy="369332"/>
-          </a:xfrm>
-          <a:prstGeom prst="rect">
-            <a:avLst/>
-          </a:prstGeom>
-          <a:noFill/>
-        </p:spPr>
-        <p:txBody>
-          <a:bodyPr wrap="none" rtlCol="0">
-            <a:spAutoFit/>
-          </a:bodyPr>
-          <a:lstStyle/>
-          <a:p>
-            <a:r>
-              <a:rPr lang="en-US" altLang="zh-CN" dirty="0" smtClean="0">
-                <a:solidFill>
-                  <a:srgbClr val="FF0000"/>
-                </a:solidFill>
-              </a:rPr>
-              <a:t>333</a:t>
-            </a:r>
-            <a:endParaRPr lang="zh-CN" altLang="en-US" dirty="0">
-              <a:solidFill>
-                <a:srgbClr val="FF0000"/>
-              </a:solidFill>
-            </a:endParaRPr>
-          </a:p>
-        </p:txBody>
-      </p:sp>
-      <p:sp>
-        <p:nvSpPr>
-          <p:cNvPr id="13" name="文本框 12"/>
-          <p:cNvSpPr txBox="1"/>
-          <p:nvPr/>
-        </p:nvSpPr>
-        <p:spPr>
-          <a:xfrm rot="16200000">
-            <a:off x="6594788" y="4464140"/>
-            <a:ext cx="652743" cy="369332"/>
-          </a:xfrm>
-          <a:prstGeom prst="rect">
-            <a:avLst/>
-          </a:prstGeom>
-          <a:noFill/>
-        </p:spPr>
-        <p:txBody>
-          <a:bodyPr wrap="none" rtlCol="0">
-            <a:spAutoFit/>
-          </a:bodyPr>
-          <a:lstStyle/>
-          <a:p>
-            <a:r>
-              <a:rPr lang="en-US" altLang="zh-CN" dirty="0" smtClean="0">
-                <a:solidFill>
-                  <a:srgbClr val="FF0000"/>
-                </a:solidFill>
-              </a:rPr>
-              <a:t>1500</a:t>
-            </a:r>
-            <a:endParaRPr lang="zh-CN" altLang="en-US" dirty="0">
-              <a:solidFill>
-                <a:srgbClr val="FF0000"/>
-              </a:solidFill>
-            </a:endParaRPr>
-          </a:p>
-        </p:txBody>
-      </p:sp>
-      <p:cxnSp>
-        <p:nvCxnSpPr>
-          <p:cNvPr id="15" name="直接连接符 14"/>
-          <p:cNvCxnSpPr/>
-          <p:nvPr/>
-        </p:nvCxnSpPr>
-        <p:spPr>
-          <a:xfrm>
-            <a:off x="7178464" y="3654127"/>
-            <a:ext cx="965675" cy="0"/>
-          </a:xfrm>
-          <a:prstGeom prst="line">
-            <a:avLst/>
-          </a:prstGeom>
-          <a:ln w="38100"/>
-        </p:spPr>
-        <p:style>
-          <a:lnRef idx="1">
-            <a:schemeClr val="accent1"/>
-          </a:lnRef>
-          <a:fillRef idx="0">
-            <a:schemeClr val="accent1"/>
-          </a:fillRef>
-          <a:effectRef idx="0">
-            <a:schemeClr val="accent1"/>
-          </a:effectRef>
-          <a:fontRef idx="minor">
-            <a:schemeClr val="tx1"/>
-          </a:fontRef>
-        </p:style>
-      </p:cxnSp>
       <p:cxnSp>
         <p:nvCxnSpPr>
           <p:cNvPr id="18" name="直接连接符 17"/>
@@ -12254,36 +11837,6 @@
           </a:fontRef>
         </p:style>
       </p:cxnSp>
-      <p:sp>
-        <p:nvSpPr>
-          <p:cNvPr id="19" name="文本框 18"/>
-          <p:cNvSpPr txBox="1"/>
-          <p:nvPr/>
-        </p:nvSpPr>
-        <p:spPr>
-          <a:xfrm>
-            <a:off x="7240376" y="3578816"/>
-            <a:ext cx="877163" cy="369332"/>
-          </a:xfrm>
-          <a:prstGeom prst="rect">
-            <a:avLst/>
-          </a:prstGeom>
-          <a:noFill/>
-        </p:spPr>
-        <p:txBody>
-          <a:bodyPr wrap="none" rtlCol="0">
-            <a:spAutoFit/>
-          </a:bodyPr>
-          <a:lstStyle/>
-          <a:p>
-            <a:r>
-              <a:rPr lang="zh-CN" altLang="en-US" dirty="0" smtClean="0"/>
-              <a:t>有衣杆</a:t>
-            </a:r>
-            <a:endParaRPr lang="zh-CN" altLang="en-US" dirty="0"/>
-          </a:p>
-        </p:txBody>
-      </p:sp>
       <p:sp>
         <p:nvSpPr>
           <p:cNvPr id="20" name="文本框 19"/>
